--- a/zerocool_presentation.pptx
+++ b/zerocool_presentation.pptx
@@ -208,7 +208,7 @@
           <a:p>
             <a:fld id="{0C849FDD-7A06-2A45-8C1E-A1FC3C079AAC}" type="datetimeFigureOut">
               <a:rPr lang="en-HU" smtClean="0"/>
-              <a:t>2024. 12. 12.</a:t>
+              <a:t>12/17/2024</a:t>
             </a:fld>
             <a:endParaRPr lang="en-HU"/>
           </a:p>
@@ -712,7 +712,7 @@
           <a:p>
             <a:fld id="{E5A8644B-4271-4BC8-9DDF-162D59CA5472}" type="datetimeFigureOut">
               <a:rPr lang="en-US" smtClean="0"/>
-              <a:t>12/12/24</a:t>
+              <a:t>12/17/2024</a:t>
             </a:fld>
             <a:endParaRPr lang="en-US" dirty="0"/>
           </a:p>
@@ -912,7 +912,7 @@
           <a:p>
             <a:fld id="{E5A8644B-4271-4BC8-9DDF-162D59CA5472}" type="datetimeFigureOut">
               <a:rPr lang="en-US" smtClean="0"/>
-              <a:t>12/12/24</a:t>
+              <a:t>12/17/2024</a:t>
             </a:fld>
             <a:endParaRPr lang="en-US" dirty="0"/>
           </a:p>
@@ -1122,7 +1122,7 @@
           <a:p>
             <a:fld id="{E5A8644B-4271-4BC8-9DDF-162D59CA5472}" type="datetimeFigureOut">
               <a:rPr lang="en-US" smtClean="0"/>
-              <a:t>12/12/24</a:t>
+              <a:t>12/17/2024</a:t>
             </a:fld>
             <a:endParaRPr lang="en-US" dirty="0"/>
           </a:p>
@@ -1322,7 +1322,7 @@
           <a:p>
             <a:fld id="{E5A8644B-4271-4BC8-9DDF-162D59CA5472}" type="datetimeFigureOut">
               <a:rPr lang="en-US" smtClean="0"/>
-              <a:t>12/12/24</a:t>
+              <a:t>12/17/2024</a:t>
             </a:fld>
             <a:endParaRPr lang="en-US" dirty="0"/>
           </a:p>
@@ -1598,7 +1598,7 @@
           <a:p>
             <a:fld id="{E5A8644B-4271-4BC8-9DDF-162D59CA5472}" type="datetimeFigureOut">
               <a:rPr lang="en-US" smtClean="0"/>
-              <a:t>12/12/24</a:t>
+              <a:t>12/17/2024</a:t>
             </a:fld>
             <a:endParaRPr lang="en-US" dirty="0"/>
           </a:p>
@@ -1866,7 +1866,7 @@
           <a:p>
             <a:fld id="{E5A8644B-4271-4BC8-9DDF-162D59CA5472}" type="datetimeFigureOut">
               <a:rPr lang="en-US" smtClean="0"/>
-              <a:t>12/12/24</a:t>
+              <a:t>12/17/2024</a:t>
             </a:fld>
             <a:endParaRPr lang="en-US" dirty="0"/>
           </a:p>
@@ -2281,7 +2281,7 @@
           <a:p>
             <a:fld id="{E5A8644B-4271-4BC8-9DDF-162D59CA5472}" type="datetimeFigureOut">
               <a:rPr lang="en-US" smtClean="0"/>
-              <a:t>12/12/24</a:t>
+              <a:t>12/17/2024</a:t>
             </a:fld>
             <a:endParaRPr lang="en-US" dirty="0"/>
           </a:p>
@@ -2423,7 +2423,7 @@
           <a:p>
             <a:fld id="{E5A8644B-4271-4BC8-9DDF-162D59CA5472}" type="datetimeFigureOut">
               <a:rPr lang="en-US" smtClean="0"/>
-              <a:t>12/12/24</a:t>
+              <a:t>12/17/2024</a:t>
             </a:fld>
             <a:endParaRPr lang="en-US" dirty="0"/>
           </a:p>
@@ -2536,7 +2536,7 @@
           <a:p>
             <a:fld id="{E5A8644B-4271-4BC8-9DDF-162D59CA5472}" type="datetimeFigureOut">
               <a:rPr lang="en-US" smtClean="0"/>
-              <a:t>12/12/24</a:t>
+              <a:t>12/17/2024</a:t>
             </a:fld>
             <a:endParaRPr lang="en-US" dirty="0"/>
           </a:p>
@@ -2849,7 +2849,7 @@
           <a:p>
             <a:fld id="{E5A8644B-4271-4BC8-9DDF-162D59CA5472}" type="datetimeFigureOut">
               <a:rPr lang="en-US" smtClean="0"/>
-              <a:t>12/12/24</a:t>
+              <a:t>12/17/2024</a:t>
             </a:fld>
             <a:endParaRPr lang="en-US" dirty="0"/>
           </a:p>
@@ -3138,7 +3138,7 @@
           <a:p>
             <a:fld id="{E5A8644B-4271-4BC8-9DDF-162D59CA5472}" type="datetimeFigureOut">
               <a:rPr lang="en-US" smtClean="0"/>
-              <a:t>12/12/24</a:t>
+              <a:t>12/17/2024</a:t>
             </a:fld>
             <a:endParaRPr lang="en-US" dirty="0"/>
           </a:p>
@@ -3396,7 +3396,7 @@
           <a:p>
             <a:fld id="{E5A8644B-4271-4BC8-9DDF-162D59CA5472}" type="datetimeFigureOut">
               <a:rPr lang="en-US" smtClean="0"/>
-              <a:t>12/12/24</a:t>
+              <a:t>12/17/2024</a:t>
             </a:fld>
             <a:endParaRPr lang="en-US" dirty="0"/>
           </a:p>
@@ -5090,15 +5090,45 @@
             <a:pPr lvl="1"/>
             <a:r>
               <a:rPr lang="en-US" dirty="0"/>
-              <a:t>Fully connected rétegek száma</a:t>
-            </a:r>
+              <a:t>Fully connected </a:t>
+            </a:r>
+            <a:r>
+              <a:rPr lang="en-US" dirty="0" err="1"/>
+              <a:t>rétegek</a:t>
+            </a:r>
+            <a:r>
+              <a:rPr lang="en-US" dirty="0"/>
+              <a:t> </a:t>
+            </a:r>
+            <a:r>
+              <a:rPr lang="en-US" dirty="0" err="1" smtClean="0"/>
+              <a:t>száma</a:t>
+            </a:r>
+            <a:r>
+              <a:rPr lang="hu-HU" dirty="0" smtClean="0"/>
+              <a:t> (4)</a:t>
+            </a:r>
+            <a:endParaRPr lang="en-US" dirty="0"/>
           </a:p>
           <a:p>
             <a:pPr lvl="1"/>
             <a:r>
-              <a:rPr lang="en-US" dirty="0"/>
-              <a:t>Neuronok Száma</a:t>
-            </a:r>
+              <a:rPr lang="en-US" dirty="0" err="1"/>
+              <a:t>Neuronok</a:t>
+            </a:r>
+            <a:r>
+              <a:rPr lang="en-US" dirty="0"/>
+              <a:t> </a:t>
+            </a:r>
+            <a:r>
+              <a:rPr lang="en-US" dirty="0" err="1" smtClean="0"/>
+              <a:t>Száma</a:t>
+            </a:r>
+            <a:r>
+              <a:rPr lang="hu-HU" dirty="0" smtClean="0"/>
+              <a:t> (128, 320, 192, 192)</a:t>
+            </a:r>
+            <a:endParaRPr lang="en-US" dirty="0"/>
           </a:p>
           <a:p>
             <a:r>
@@ -5109,30 +5139,77 @@
           <a:p>
             <a:pPr lvl="1"/>
             <a:r>
-              <a:rPr lang="en-US" dirty="0"/>
-              <a:t>Filterek száma</a:t>
+              <a:rPr lang="en-US" dirty="0" err="1" smtClean="0"/>
+              <a:t>Konvolúciós</a:t>
+            </a:r>
+            <a:r>
+              <a:rPr lang="en-US" dirty="0" smtClean="0"/>
+              <a:t> </a:t>
+            </a:r>
+            <a:r>
+              <a:rPr lang="en-US" dirty="0" err="1"/>
+              <a:t>rétegek</a:t>
+            </a:r>
+            <a:r>
+              <a:rPr lang="en-US" dirty="0"/>
+              <a:t> </a:t>
+            </a:r>
+            <a:r>
+              <a:rPr lang="en-US" dirty="0" err="1" smtClean="0"/>
+              <a:t>száma</a:t>
+            </a:r>
+            <a:r>
+              <a:rPr lang="hu-HU" dirty="0" smtClean="0"/>
+              <a:t> (4)</a:t>
             </a:r>
           </a:p>
           <a:p>
             <a:pPr lvl="1"/>
             <a:r>
-              <a:rPr lang="en-US" dirty="0"/>
-              <a:t>Konvolúciós rétegek száma</a:t>
-            </a:r>
+              <a:rPr lang="en-US" dirty="0" err="1"/>
+              <a:t>Filterek</a:t>
+            </a:r>
+            <a:r>
+              <a:rPr lang="en-US" dirty="0"/>
+              <a:t> </a:t>
+            </a:r>
+            <a:r>
+              <a:rPr lang="en-US" dirty="0" err="1" smtClean="0"/>
+              <a:t>száma</a:t>
+            </a:r>
+            <a:r>
+              <a:rPr lang="hu-HU" dirty="0" smtClean="0"/>
+              <a:t> (48, 48, 16, 16</a:t>
+            </a:r>
+            <a:r>
+              <a:rPr lang="hu-HU" dirty="0" smtClean="0"/>
+              <a:t>)</a:t>
+            </a:r>
+            <a:endParaRPr lang="en-US" dirty="0"/>
           </a:p>
           <a:p>
             <a:pPr lvl="1"/>
             <a:r>
               <a:rPr lang="en-US" dirty="0"/>
-              <a:t>Neuronok</a:t>
-            </a:r>
-          </a:p>
-          <a:p>
-            <a:pPr lvl="1"/>
-            <a:r>
-              <a:rPr lang="en-US" dirty="0"/>
-              <a:t>Összegző Dense réteg neuronok</a:t>
-            </a:r>
+              <a:t>Összegző Dense </a:t>
+            </a:r>
+            <a:r>
+              <a:rPr lang="en-US" dirty="0" err="1"/>
+              <a:t>réteg</a:t>
+            </a:r>
+            <a:r>
+              <a:rPr lang="en-US" dirty="0"/>
+              <a:t> </a:t>
+            </a:r>
+            <a:r>
+              <a:rPr lang="en-US" dirty="0" err="1" smtClean="0"/>
+              <a:t>neuronok</a:t>
+            </a:r>
+            <a:r>
+              <a:rPr lang="hu-HU" dirty="0" smtClean="0"/>
+              <a:t> (96)</a:t>
+            </a:r>
+            <a:endParaRPr lang="en-US" dirty="0"/>
           </a:p>
         </p:txBody>
       </p:sp>
